--- a/2021-4-21/EfficientNetV2.pptx
+++ b/2021-4-21/EfficientNetV2.pptx
@@ -230,7 +230,7 @@
           <a:p>
             <a:fld id="{691C6262-C5EE-49E8-82C9-5B482EFE4728}" type="datetimeFigureOut">
               <a:rPr lang="zh-CN" altLang="en-US" smtClean="0"/>
-              <a:t>2021/4/18</a:t>
+              <a:t>2021/4/21</a:t>
             </a:fld>
             <a:endParaRPr lang="zh-CN" altLang="en-US"/>
           </a:p>
@@ -2324,7 +2324,7 @@
           <a:p>
             <a:fld id="{55710F19-8CFC-41BA-AB99-D3970B82F7EB}" type="datetimeFigureOut">
               <a:rPr lang="zh-CN" altLang="en-US" smtClean="0"/>
-              <a:t>2021/4/18</a:t>
+              <a:t>2021/4/21</a:t>
             </a:fld>
             <a:endParaRPr lang="zh-CN" altLang="en-US"/>
           </a:p>
@@ -2530,7 +2530,7 @@
           <a:p>
             <a:fld id="{55710F19-8CFC-41BA-AB99-D3970B82F7EB}" type="datetimeFigureOut">
               <a:rPr lang="zh-CN" altLang="en-US" smtClean="0"/>
-              <a:t>2021/4/18</a:t>
+              <a:t>2021/4/21</a:t>
             </a:fld>
             <a:endParaRPr lang="zh-CN" altLang="en-US"/>
           </a:p>
@@ -3122,7 +3122,7 @@
           <a:p>
             <a:fld id="{55710F19-8CFC-41BA-AB99-D3970B82F7EB}" type="datetimeFigureOut">
               <a:rPr lang="zh-CN" altLang="en-US" smtClean="0"/>
-              <a:t>2021/4/18</a:t>
+              <a:t>2021/4/21</a:t>
             </a:fld>
             <a:endParaRPr lang="zh-CN" altLang="en-US"/>
           </a:p>
@@ -4076,7 +4076,7 @@
             </a:r>
             <a:r>
               <a:rPr lang="zh-CN" altLang="en-US" dirty="0"/>
-              <a:t>在早期层广泛使用了</a:t>
+              <a:t>广泛使用了</a:t>
             </a:r>
             <a:r>
               <a:rPr lang="en-US" altLang="zh-CN" dirty="0" err="1"/>
@@ -4252,7 +4252,7 @@
         </p:blipFill>
         <p:spPr>
           <a:xfrm>
-            <a:off x="865548" y="3928324"/>
+            <a:off x="865548" y="3903157"/>
             <a:ext cx="5077534" cy="2440703"/>
           </a:xfrm>
           <a:prstGeom prst="rect">
@@ -5155,7 +5155,7 @@
         </p:blipFill>
         <p:spPr>
           <a:xfrm>
-            <a:off x="799513" y="2357122"/>
+            <a:off x="799513" y="2241211"/>
             <a:ext cx="5601482" cy="2581635"/>
           </a:xfrm>
           <a:prstGeom prst="rect">
@@ -11185,8 +11185,8 @@
         </p:blipFill>
         <p:spPr>
           <a:xfrm>
-            <a:off x="2716121" y="4709062"/>
-            <a:ext cx="2248214" cy="1219370"/>
+            <a:off x="1837188" y="4513685"/>
+            <a:ext cx="3170025" cy="1719335"/>
           </a:xfrm>
           <a:prstGeom prst="rect">
             <a:avLst/>
@@ -11207,7 +11207,7 @@
         </p:nvSpPr>
         <p:spPr>
           <a:xfrm>
-            <a:off x="5003635" y="4960543"/>
+            <a:off x="5515363" y="5111544"/>
             <a:ext cx="1290528" cy="369332"/>
           </a:xfrm>
           <a:prstGeom prst="rect">
@@ -11255,7 +11255,7 @@
         </p:blipFill>
         <p:spPr>
           <a:xfrm>
-            <a:off x="8734710" y="763270"/>
+            <a:off x="8474652" y="1056993"/>
             <a:ext cx="2324424" cy="4239217"/>
           </a:xfrm>
           <a:prstGeom prst="rect">
